--- a/presentation.pptx
+++ b/presentation.pptx
@@ -15,12 +15,10 @@
     <p:sldId id="271" r:id="rId9"/>
     <p:sldId id="262" r:id="rId10"/>
     <p:sldId id="263" r:id="rId11"/>
-    <p:sldId id="264" r:id="rId12"/>
-    <p:sldId id="265" r:id="rId13"/>
-    <p:sldId id="266" r:id="rId14"/>
-    <p:sldId id="268" r:id="rId15"/>
-    <p:sldId id="269" r:id="rId16"/>
-    <p:sldId id="270" r:id="rId17"/>
+    <p:sldId id="265" r:id="rId12"/>
+    <p:sldId id="266" r:id="rId13"/>
+    <p:sldId id="269" r:id="rId14"/>
+    <p:sldId id="270" r:id="rId15"/>
   </p:sldIdLst>
   <p:sldSz cx="9144000" cy="6858000" type="screen4x3"/>
   <p:notesSz cx="6858000" cy="9144000"/>
@@ -304,7 +302,7 @@
             <a:fld id="{1D8BD707-D9CF-40AE-B4C6-C98DA3205C09}" type="datetimeFigureOut">
               <a:rPr lang="en-US" smtClean="0"/>
               <a:pPr/>
-              <a:t>11/28/2019</a:t>
+              <a:t>12/5/2019</a:t>
             </a:fld>
             <a:endParaRPr lang="en-US"/>
           </a:p>
@@ -471,7 +469,7 @@
             <a:fld id="{1D8BD707-D9CF-40AE-B4C6-C98DA3205C09}" type="datetimeFigureOut">
               <a:rPr lang="en-US" smtClean="0"/>
               <a:pPr/>
-              <a:t>11/28/2019</a:t>
+              <a:t>12/5/2019</a:t>
             </a:fld>
             <a:endParaRPr lang="en-US"/>
           </a:p>
@@ -648,7 +646,7 @@
             <a:fld id="{1D8BD707-D9CF-40AE-B4C6-C98DA3205C09}" type="datetimeFigureOut">
               <a:rPr lang="en-US" smtClean="0"/>
               <a:pPr/>
-              <a:t>11/28/2019</a:t>
+              <a:t>12/5/2019</a:t>
             </a:fld>
             <a:endParaRPr lang="en-US"/>
           </a:p>
@@ -815,7 +813,7 @@
             <a:fld id="{1D8BD707-D9CF-40AE-B4C6-C98DA3205C09}" type="datetimeFigureOut">
               <a:rPr lang="en-US" smtClean="0"/>
               <a:pPr/>
-              <a:t>11/28/2019</a:t>
+              <a:t>12/5/2019</a:t>
             </a:fld>
             <a:endParaRPr lang="en-US"/>
           </a:p>
@@ -1058,7 +1056,7 @@
             <a:fld id="{1D8BD707-D9CF-40AE-B4C6-C98DA3205C09}" type="datetimeFigureOut">
               <a:rPr lang="en-US" smtClean="0"/>
               <a:pPr/>
-              <a:t>11/28/2019</a:t>
+              <a:t>12/5/2019</a:t>
             </a:fld>
             <a:endParaRPr lang="en-US"/>
           </a:p>
@@ -1343,7 +1341,7 @@
             <a:fld id="{1D8BD707-D9CF-40AE-B4C6-C98DA3205C09}" type="datetimeFigureOut">
               <a:rPr lang="en-US" smtClean="0"/>
               <a:pPr/>
-              <a:t>11/28/2019</a:t>
+              <a:t>12/5/2019</a:t>
             </a:fld>
             <a:endParaRPr lang="en-US"/>
           </a:p>
@@ -1762,7 +1760,7 @@
             <a:fld id="{1D8BD707-D9CF-40AE-B4C6-C98DA3205C09}" type="datetimeFigureOut">
               <a:rPr lang="en-US" smtClean="0"/>
               <a:pPr/>
-              <a:t>11/28/2019</a:t>
+              <a:t>12/5/2019</a:t>
             </a:fld>
             <a:endParaRPr lang="en-US"/>
           </a:p>
@@ -1877,7 +1875,7 @@
             <a:fld id="{1D8BD707-D9CF-40AE-B4C6-C98DA3205C09}" type="datetimeFigureOut">
               <a:rPr lang="en-US" smtClean="0"/>
               <a:pPr/>
-              <a:t>11/28/2019</a:t>
+              <a:t>12/5/2019</a:t>
             </a:fld>
             <a:endParaRPr lang="en-US"/>
           </a:p>
@@ -1969,7 +1967,7 @@
             <a:fld id="{1D8BD707-D9CF-40AE-B4C6-C98DA3205C09}" type="datetimeFigureOut">
               <a:rPr lang="en-US" smtClean="0"/>
               <a:pPr/>
-              <a:t>11/28/2019</a:t>
+              <a:t>12/5/2019</a:t>
             </a:fld>
             <a:endParaRPr lang="en-US"/>
           </a:p>
@@ -2243,7 +2241,7 @@
             <a:fld id="{1D8BD707-D9CF-40AE-B4C6-C98DA3205C09}" type="datetimeFigureOut">
               <a:rPr lang="en-US" smtClean="0"/>
               <a:pPr/>
-              <a:t>11/28/2019</a:t>
+              <a:t>12/5/2019</a:t>
             </a:fld>
             <a:endParaRPr lang="en-US"/>
           </a:p>
@@ -2493,7 +2491,7 @@
             <a:fld id="{1D8BD707-D9CF-40AE-B4C6-C98DA3205C09}" type="datetimeFigureOut">
               <a:rPr lang="en-US" smtClean="0"/>
               <a:pPr/>
-              <a:t>11/28/2019</a:t>
+              <a:t>12/5/2019</a:t>
             </a:fld>
             <a:endParaRPr lang="en-US"/>
           </a:p>
@@ -2703,7 +2701,7 @@
             <a:fld id="{1D8BD707-D9CF-40AE-B4C6-C98DA3205C09}" type="datetimeFigureOut">
               <a:rPr lang="en-US" smtClean="0"/>
               <a:pPr/>
-              <a:t>11/28/2019</a:t>
+              <a:t>12/5/2019</a:t>
             </a:fld>
             <a:endParaRPr lang="en-US"/>
           </a:p>
@@ -3250,7 +3248,9 @@
         </p:nvSpPr>
         <p:spPr/>
         <p:txBody>
-          <a:bodyPr/>
+          <a:bodyPr>
+            <a:normAutofit/>
+          </a:bodyPr>
           <a:lstStyle/>
           <a:p>
             <a:r>
@@ -3276,23 +3276,637 @@
           <a:bodyPr/>
           <a:lstStyle/>
           <a:p>
-            <a:r>
-              <a:rPr lang="en-US" dirty="0" smtClean="0"/>
-              <a:t>I create two models and stack first models output as a feature to the second model.</a:t>
-            </a:r>
-          </a:p>
-          <a:p>
-            <a:r>
-              <a:rPr lang="en-US" dirty="0" smtClean="0"/>
-              <a:t>The first model is trained only on text vectors obtained from Address, Description and Contractor columns.</a:t>
-            </a:r>
-          </a:p>
-          <a:p>
-            <a:r>
-              <a:rPr lang="en-US" dirty="0" smtClean="0"/>
-              <a:t>The prediction done by this model is fed into the second model along with numerical and categorical features.</a:t>
-            </a:r>
+            <a:pPr>
+              <a:buNone/>
+            </a:pPr>
             <a:endParaRPr lang="en-US" dirty="0"/>
+          </a:p>
+        </p:txBody>
+      </p:sp>
+      <p:sp>
+        <p:nvSpPr>
+          <p:cNvPr id="5" name="Rectangle 4"/>
+          <p:cNvSpPr/>
+          <p:nvPr/>
+        </p:nvSpPr>
+        <p:spPr>
+          <a:xfrm>
+            <a:off x="838200" y="2286000"/>
+            <a:ext cx="1905000" cy="685800"/>
+          </a:xfrm>
+          <a:prstGeom prst="rect">
+            <a:avLst/>
+          </a:prstGeom>
+        </p:spPr>
+        <p:style>
+          <a:lnRef idx="2">
+            <a:schemeClr val="accent1">
+              <a:shade val="50000"/>
+            </a:schemeClr>
+          </a:lnRef>
+          <a:fillRef idx="1">
+            <a:schemeClr val="accent1"/>
+          </a:fillRef>
+          <a:effectRef idx="0">
+            <a:schemeClr val="accent1"/>
+          </a:effectRef>
+          <a:fontRef idx="minor">
+            <a:schemeClr val="lt1"/>
+          </a:fontRef>
+        </p:style>
+        <p:txBody>
+          <a:bodyPr rtlCol="0" anchor="ctr"/>
+          <a:lstStyle/>
+          <a:p>
+            <a:pPr algn="ctr"/>
+            <a:r>
+              <a:rPr lang="en-US" dirty="0" smtClean="0"/>
+              <a:t>Text Features</a:t>
+            </a:r>
+            <a:endParaRPr lang="en-US" dirty="0"/>
+          </a:p>
+        </p:txBody>
+      </p:sp>
+      <p:sp>
+        <p:nvSpPr>
+          <p:cNvPr id="6" name="Rectangle 5"/>
+          <p:cNvSpPr/>
+          <p:nvPr/>
+        </p:nvSpPr>
+        <p:spPr>
+          <a:xfrm>
+            <a:off x="914400" y="3505200"/>
+            <a:ext cx="1828800" cy="381000"/>
+          </a:xfrm>
+          <a:prstGeom prst="rect">
+            <a:avLst/>
+          </a:prstGeom>
+        </p:spPr>
+        <p:style>
+          <a:lnRef idx="2">
+            <a:schemeClr val="accent1">
+              <a:shade val="50000"/>
+            </a:schemeClr>
+          </a:lnRef>
+          <a:fillRef idx="1">
+            <a:schemeClr val="accent1"/>
+          </a:fillRef>
+          <a:effectRef idx="0">
+            <a:schemeClr val="accent1"/>
+          </a:effectRef>
+          <a:fontRef idx="minor">
+            <a:schemeClr val="lt1"/>
+          </a:fontRef>
+        </p:style>
+        <p:txBody>
+          <a:bodyPr rtlCol="0" anchor="ctr"/>
+          <a:lstStyle/>
+          <a:p>
+            <a:pPr algn="ctr"/>
+            <a:r>
+              <a:rPr lang="en-US" dirty="0" smtClean="0"/>
+              <a:t>Count </a:t>
+            </a:r>
+            <a:r>
+              <a:rPr lang="en-US" dirty="0" err="1" smtClean="0"/>
+              <a:t>Vectorizer</a:t>
+            </a:r>
+            <a:endParaRPr lang="en-US" dirty="0"/>
+          </a:p>
+        </p:txBody>
+      </p:sp>
+      <p:sp>
+        <p:nvSpPr>
+          <p:cNvPr id="7" name="Rectangle 6"/>
+          <p:cNvSpPr/>
+          <p:nvPr/>
+        </p:nvSpPr>
+        <p:spPr>
+          <a:xfrm>
+            <a:off x="990600" y="4419600"/>
+            <a:ext cx="1676400" cy="609600"/>
+          </a:xfrm>
+          <a:prstGeom prst="rect">
+            <a:avLst/>
+          </a:prstGeom>
+        </p:spPr>
+        <p:style>
+          <a:lnRef idx="2">
+            <a:schemeClr val="accent1">
+              <a:shade val="50000"/>
+            </a:schemeClr>
+          </a:lnRef>
+          <a:fillRef idx="1">
+            <a:schemeClr val="accent1"/>
+          </a:fillRef>
+          <a:effectRef idx="0">
+            <a:schemeClr val="accent1"/>
+          </a:effectRef>
+          <a:fontRef idx="minor">
+            <a:schemeClr val="lt1"/>
+          </a:fontRef>
+        </p:style>
+        <p:txBody>
+          <a:bodyPr rtlCol="0" anchor="ctr"/>
+          <a:lstStyle/>
+          <a:p>
+            <a:pPr algn="ctr"/>
+            <a:r>
+              <a:rPr lang="en-US" dirty="0" smtClean="0"/>
+              <a:t>Text vectors</a:t>
+            </a:r>
+            <a:endParaRPr lang="en-US" dirty="0"/>
+          </a:p>
+        </p:txBody>
+      </p:sp>
+      <p:sp>
+        <p:nvSpPr>
+          <p:cNvPr id="14" name="Down Arrow 13"/>
+          <p:cNvSpPr/>
+          <p:nvPr/>
+        </p:nvSpPr>
+        <p:spPr>
+          <a:xfrm flipH="1">
+            <a:off x="1752600" y="2971800"/>
+            <a:ext cx="121918" cy="533400"/>
+          </a:xfrm>
+          <a:prstGeom prst="downArrow">
+            <a:avLst/>
+          </a:prstGeom>
+          <a:solidFill>
+            <a:srgbClr val="FF0000"/>
+          </a:solidFill>
+        </p:spPr>
+        <p:style>
+          <a:lnRef idx="2">
+            <a:schemeClr val="accent1">
+              <a:shade val="50000"/>
+            </a:schemeClr>
+          </a:lnRef>
+          <a:fillRef idx="1">
+            <a:schemeClr val="accent1"/>
+          </a:fillRef>
+          <a:effectRef idx="0">
+            <a:schemeClr val="accent1"/>
+          </a:effectRef>
+          <a:fontRef idx="minor">
+            <a:schemeClr val="lt1"/>
+          </a:fontRef>
+        </p:style>
+        <p:txBody>
+          <a:bodyPr rtlCol="0" anchor="ctr"/>
+          <a:lstStyle/>
+          <a:p>
+            <a:pPr algn="ctr"/>
+            <a:endParaRPr lang="en-US" dirty="0">
+              <a:solidFill>
+                <a:srgbClr val="FF0000"/>
+              </a:solidFill>
+            </a:endParaRPr>
+          </a:p>
+        </p:txBody>
+      </p:sp>
+      <p:sp>
+        <p:nvSpPr>
+          <p:cNvPr id="16" name="Down Arrow 15"/>
+          <p:cNvSpPr/>
+          <p:nvPr/>
+        </p:nvSpPr>
+        <p:spPr>
+          <a:xfrm>
+            <a:off x="1752600" y="3886200"/>
+            <a:ext cx="152400" cy="533400"/>
+          </a:xfrm>
+          <a:prstGeom prst="downArrow">
+            <a:avLst/>
+          </a:prstGeom>
+          <a:solidFill>
+            <a:srgbClr val="FF0000"/>
+          </a:solidFill>
+        </p:spPr>
+        <p:style>
+          <a:lnRef idx="2">
+            <a:schemeClr val="accent1">
+              <a:shade val="50000"/>
+            </a:schemeClr>
+          </a:lnRef>
+          <a:fillRef idx="1">
+            <a:schemeClr val="accent1"/>
+          </a:fillRef>
+          <a:effectRef idx="0">
+            <a:schemeClr val="accent1"/>
+          </a:effectRef>
+          <a:fontRef idx="minor">
+            <a:schemeClr val="lt1"/>
+          </a:fontRef>
+        </p:style>
+        <p:txBody>
+          <a:bodyPr rtlCol="0" anchor="ctr"/>
+          <a:lstStyle/>
+          <a:p>
+            <a:pPr algn="ctr"/>
+            <a:endParaRPr lang="en-US"/>
+          </a:p>
+        </p:txBody>
+      </p:sp>
+      <p:sp>
+        <p:nvSpPr>
+          <p:cNvPr id="17" name="Rectangle 16"/>
+          <p:cNvSpPr/>
+          <p:nvPr/>
+        </p:nvSpPr>
+        <p:spPr>
+          <a:xfrm>
+            <a:off x="3200400" y="2209800"/>
+            <a:ext cx="1905000" cy="990600"/>
+          </a:xfrm>
+          <a:prstGeom prst="rect">
+            <a:avLst/>
+          </a:prstGeom>
+        </p:spPr>
+        <p:style>
+          <a:lnRef idx="2">
+            <a:schemeClr val="accent1">
+              <a:shade val="50000"/>
+            </a:schemeClr>
+          </a:lnRef>
+          <a:fillRef idx="1">
+            <a:schemeClr val="accent1"/>
+          </a:fillRef>
+          <a:effectRef idx="0">
+            <a:schemeClr val="accent1"/>
+          </a:effectRef>
+          <a:fontRef idx="minor">
+            <a:schemeClr val="lt1"/>
+          </a:fontRef>
+        </p:style>
+        <p:txBody>
+          <a:bodyPr rtlCol="0" anchor="ctr"/>
+          <a:lstStyle/>
+          <a:p>
+            <a:pPr algn="ctr"/>
+            <a:r>
+              <a:rPr lang="en-US" dirty="0" smtClean="0"/>
+              <a:t>Categorical /</a:t>
+            </a:r>
+          </a:p>
+          <a:p>
+            <a:pPr algn="ctr"/>
+            <a:r>
+              <a:rPr lang="en-US" dirty="0" smtClean="0"/>
+              <a:t>Numerical Features</a:t>
+            </a:r>
+            <a:endParaRPr lang="en-US" dirty="0"/>
+          </a:p>
+        </p:txBody>
+      </p:sp>
+      <p:sp>
+        <p:nvSpPr>
+          <p:cNvPr id="19" name="Rectangle 18"/>
+          <p:cNvSpPr/>
+          <p:nvPr/>
+        </p:nvSpPr>
+        <p:spPr>
+          <a:xfrm>
+            <a:off x="5791200" y="2209800"/>
+            <a:ext cx="533400" cy="3124200"/>
+          </a:xfrm>
+          <a:prstGeom prst="rect">
+            <a:avLst/>
+          </a:prstGeom>
+        </p:spPr>
+        <p:style>
+          <a:lnRef idx="2">
+            <a:schemeClr val="accent1">
+              <a:shade val="50000"/>
+            </a:schemeClr>
+          </a:lnRef>
+          <a:fillRef idx="1">
+            <a:schemeClr val="accent1"/>
+          </a:fillRef>
+          <a:effectRef idx="0">
+            <a:schemeClr val="accent1"/>
+          </a:effectRef>
+          <a:fontRef idx="minor">
+            <a:schemeClr val="lt1"/>
+          </a:fontRef>
+        </p:style>
+        <p:txBody>
+          <a:bodyPr rtlCol="0" anchor="ctr"/>
+          <a:lstStyle/>
+          <a:p>
+            <a:pPr algn="ctr"/>
+            <a:r>
+              <a:rPr lang="en-US" dirty="0" smtClean="0"/>
+              <a:t>M</a:t>
+            </a:r>
+          </a:p>
+          <a:p>
+            <a:pPr algn="ctr"/>
+            <a:r>
+              <a:rPr lang="en-US" dirty="0" smtClean="0"/>
+              <a:t>O</a:t>
+            </a:r>
+          </a:p>
+          <a:p>
+            <a:pPr algn="ctr"/>
+            <a:r>
+              <a:rPr lang="en-US" dirty="0" smtClean="0"/>
+              <a:t>D</a:t>
+            </a:r>
+          </a:p>
+          <a:p>
+            <a:pPr algn="ctr"/>
+            <a:r>
+              <a:rPr lang="en-US" dirty="0" smtClean="0"/>
+              <a:t>E</a:t>
+            </a:r>
+          </a:p>
+          <a:p>
+            <a:pPr algn="ctr"/>
+            <a:r>
+              <a:rPr lang="en-US" dirty="0" smtClean="0"/>
+              <a:t>L</a:t>
+            </a:r>
+          </a:p>
+          <a:p>
+            <a:pPr algn="ctr"/>
+            <a:endParaRPr lang="en-US" dirty="0" smtClean="0"/>
+          </a:p>
+          <a:p>
+            <a:pPr algn="ctr"/>
+            <a:endParaRPr lang="en-US" dirty="0"/>
+          </a:p>
+        </p:txBody>
+      </p:sp>
+      <p:sp>
+        <p:nvSpPr>
+          <p:cNvPr id="22" name="Rectangle 21"/>
+          <p:cNvSpPr/>
+          <p:nvPr/>
+        </p:nvSpPr>
+        <p:spPr>
+          <a:xfrm>
+            <a:off x="7086600" y="2895600"/>
+            <a:ext cx="1371600" cy="1295400"/>
+          </a:xfrm>
+          <a:prstGeom prst="rect">
+            <a:avLst/>
+          </a:prstGeom>
+        </p:spPr>
+        <p:style>
+          <a:lnRef idx="2">
+            <a:schemeClr val="accent1">
+              <a:shade val="50000"/>
+            </a:schemeClr>
+          </a:lnRef>
+          <a:fillRef idx="1">
+            <a:schemeClr val="accent1"/>
+          </a:fillRef>
+          <a:effectRef idx="0">
+            <a:schemeClr val="accent1"/>
+          </a:effectRef>
+          <a:fontRef idx="minor">
+            <a:schemeClr val="lt1"/>
+          </a:fontRef>
+        </p:style>
+        <p:txBody>
+          <a:bodyPr rtlCol="0" anchor="ctr"/>
+          <a:lstStyle/>
+          <a:p>
+            <a:pPr algn="ctr"/>
+            <a:r>
+              <a:rPr lang="en-US" dirty="0" smtClean="0"/>
+              <a:t>Final</a:t>
+            </a:r>
+          </a:p>
+          <a:p>
+            <a:pPr algn="ctr"/>
+            <a:r>
+              <a:rPr lang="en-US" dirty="0" smtClean="0"/>
+              <a:t>Prediction</a:t>
+            </a:r>
+            <a:endParaRPr lang="en-US" dirty="0"/>
+          </a:p>
+        </p:txBody>
+      </p:sp>
+      <p:sp>
+        <p:nvSpPr>
+          <p:cNvPr id="23" name="Right Arrow 22"/>
+          <p:cNvSpPr/>
+          <p:nvPr/>
+        </p:nvSpPr>
+        <p:spPr>
+          <a:xfrm>
+            <a:off x="6400800" y="3429000"/>
+            <a:ext cx="609600" cy="152400"/>
+          </a:xfrm>
+          <a:prstGeom prst="rightArrow">
+            <a:avLst/>
+          </a:prstGeom>
+          <a:solidFill>
+            <a:srgbClr val="FF0000"/>
+          </a:solidFill>
+        </p:spPr>
+        <p:style>
+          <a:lnRef idx="2">
+            <a:schemeClr val="accent1">
+              <a:shade val="50000"/>
+            </a:schemeClr>
+          </a:lnRef>
+          <a:fillRef idx="1">
+            <a:schemeClr val="accent1"/>
+          </a:fillRef>
+          <a:effectRef idx="0">
+            <a:schemeClr val="accent1"/>
+          </a:effectRef>
+          <a:fontRef idx="minor">
+            <a:schemeClr val="lt1"/>
+          </a:fontRef>
+        </p:style>
+        <p:txBody>
+          <a:bodyPr rtlCol="0" anchor="ctr"/>
+          <a:lstStyle/>
+          <a:p>
+            <a:pPr algn="ctr"/>
+            <a:endParaRPr lang="en-US"/>
+          </a:p>
+        </p:txBody>
+      </p:sp>
+      <p:sp>
+        <p:nvSpPr>
+          <p:cNvPr id="18" name="Rectangle 17"/>
+          <p:cNvSpPr/>
+          <p:nvPr/>
+        </p:nvSpPr>
+        <p:spPr>
+          <a:xfrm>
+            <a:off x="3352800" y="4495800"/>
+            <a:ext cx="1371600" cy="457200"/>
+          </a:xfrm>
+          <a:prstGeom prst="rect">
+            <a:avLst/>
+          </a:prstGeom>
+        </p:spPr>
+        <p:style>
+          <a:lnRef idx="2">
+            <a:schemeClr val="accent1">
+              <a:shade val="50000"/>
+            </a:schemeClr>
+          </a:lnRef>
+          <a:fillRef idx="1">
+            <a:schemeClr val="accent1"/>
+          </a:fillRef>
+          <a:effectRef idx="0">
+            <a:schemeClr val="accent1"/>
+          </a:effectRef>
+          <a:fontRef idx="minor">
+            <a:schemeClr val="lt1"/>
+          </a:fontRef>
+        </p:style>
+        <p:txBody>
+          <a:bodyPr rtlCol="0" anchor="ctr"/>
+          <a:lstStyle/>
+          <a:p>
+            <a:pPr algn="ctr"/>
+            <a:r>
+              <a:rPr lang="en-US" dirty="0" err="1" smtClean="0"/>
+              <a:t>hstack</a:t>
+            </a:r>
+            <a:endParaRPr lang="en-US" dirty="0"/>
+          </a:p>
+        </p:txBody>
+      </p:sp>
+      <p:sp>
+        <p:nvSpPr>
+          <p:cNvPr id="20" name="Down Arrow 19"/>
+          <p:cNvSpPr/>
+          <p:nvPr/>
+        </p:nvSpPr>
+        <p:spPr>
+          <a:xfrm>
+            <a:off x="3962400" y="3276600"/>
+            <a:ext cx="152400" cy="1066800"/>
+          </a:xfrm>
+          <a:prstGeom prst="downArrow">
+            <a:avLst/>
+          </a:prstGeom>
+          <a:solidFill>
+            <a:srgbClr val="C00000"/>
+          </a:solidFill>
+        </p:spPr>
+        <p:style>
+          <a:lnRef idx="2">
+            <a:schemeClr val="accent1">
+              <a:shade val="50000"/>
+            </a:schemeClr>
+          </a:lnRef>
+          <a:fillRef idx="1">
+            <a:schemeClr val="accent1"/>
+          </a:fillRef>
+          <a:effectRef idx="0">
+            <a:schemeClr val="accent1"/>
+          </a:effectRef>
+          <a:fontRef idx="minor">
+            <a:schemeClr val="lt1"/>
+          </a:fontRef>
+        </p:style>
+        <p:txBody>
+          <a:bodyPr rtlCol="0" anchor="ctr"/>
+          <a:lstStyle/>
+          <a:p>
+            <a:pPr algn="ctr"/>
+            <a:endParaRPr lang="en-US" dirty="0">
+              <a:solidFill>
+                <a:srgbClr val="FF0000"/>
+              </a:solidFill>
+            </a:endParaRPr>
+          </a:p>
+        </p:txBody>
+      </p:sp>
+      <p:sp>
+        <p:nvSpPr>
+          <p:cNvPr id="27" name="Right Arrow 26"/>
+          <p:cNvSpPr/>
+          <p:nvPr/>
+        </p:nvSpPr>
+        <p:spPr>
+          <a:xfrm>
+            <a:off x="2743200" y="4648200"/>
+            <a:ext cx="609600" cy="152400"/>
+          </a:xfrm>
+          <a:prstGeom prst="rightArrow">
+            <a:avLst/>
+          </a:prstGeom>
+          <a:solidFill>
+            <a:srgbClr val="FF0000"/>
+          </a:solidFill>
+        </p:spPr>
+        <p:style>
+          <a:lnRef idx="2">
+            <a:schemeClr val="accent1">
+              <a:shade val="50000"/>
+            </a:schemeClr>
+          </a:lnRef>
+          <a:fillRef idx="1">
+            <a:schemeClr val="accent1"/>
+          </a:fillRef>
+          <a:effectRef idx="0">
+            <a:schemeClr val="accent1"/>
+          </a:effectRef>
+          <a:fontRef idx="minor">
+            <a:schemeClr val="lt1"/>
+          </a:fontRef>
+        </p:style>
+        <p:txBody>
+          <a:bodyPr rtlCol="0" anchor="ctr"/>
+          <a:lstStyle/>
+          <a:p>
+            <a:pPr algn="ctr"/>
+            <a:endParaRPr lang="en-US"/>
+          </a:p>
+        </p:txBody>
+      </p:sp>
+      <p:sp>
+        <p:nvSpPr>
+          <p:cNvPr id="28" name="Right Arrow 27"/>
+          <p:cNvSpPr/>
+          <p:nvPr/>
+        </p:nvSpPr>
+        <p:spPr>
+          <a:xfrm>
+            <a:off x="4724400" y="4648200"/>
+            <a:ext cx="990600" cy="152400"/>
+          </a:xfrm>
+          <a:prstGeom prst="rightArrow">
+            <a:avLst/>
+          </a:prstGeom>
+          <a:solidFill>
+            <a:srgbClr val="FF0000"/>
+          </a:solidFill>
+        </p:spPr>
+        <p:style>
+          <a:lnRef idx="2">
+            <a:schemeClr val="accent1">
+              <a:shade val="50000"/>
+            </a:schemeClr>
+          </a:lnRef>
+          <a:fillRef idx="1">
+            <a:schemeClr val="accent1"/>
+          </a:fillRef>
+          <a:effectRef idx="0">
+            <a:schemeClr val="accent1"/>
+          </a:effectRef>
+          <a:fontRef idx="minor">
+            <a:schemeClr val="lt1"/>
+          </a:fontRef>
+        </p:style>
+        <p:txBody>
+          <a:bodyPr rtlCol="0" anchor="ctr"/>
+          <a:lstStyle/>
+          <a:p>
+            <a:pPr algn="ctr"/>
+            <a:endParaRPr lang="en-US"/>
           </a:p>
         </p:txBody>
       </p:sp>
@@ -3340,14 +3954,12 @@
         </p:nvSpPr>
         <p:spPr/>
         <p:txBody>
-          <a:bodyPr>
-            <a:normAutofit/>
-          </a:bodyPr>
-          <a:lstStyle/>
-          <a:p>
-            <a:r>
-              <a:rPr lang="en-US" dirty="0" smtClean="0"/>
-              <a:t>Model overview</a:t>
+          <a:bodyPr/>
+          <a:lstStyle/>
+          <a:p>
+            <a:r>
+              <a:rPr lang="en-US" dirty="0" smtClean="0"/>
+              <a:t>Model Selection</a:t>
             </a:r>
             <a:endParaRPr lang="en-US" dirty="0"/>
           </a:p>
@@ -3368,637 +3980,39 @@
           <a:bodyPr/>
           <a:lstStyle/>
           <a:p>
-            <a:pPr>
-              <a:buNone/>
-            </a:pPr>
-            <a:endParaRPr lang="en-US" dirty="0"/>
-          </a:p>
-        </p:txBody>
-      </p:sp>
-      <p:sp>
-        <p:nvSpPr>
-          <p:cNvPr id="5" name="Rectangle 4"/>
-          <p:cNvSpPr/>
-          <p:nvPr/>
-        </p:nvSpPr>
-        <p:spPr>
-          <a:xfrm>
-            <a:off x="838200" y="2286000"/>
-            <a:ext cx="1905000" cy="685800"/>
-          </a:xfrm>
-          <a:prstGeom prst="rect">
-            <a:avLst/>
-          </a:prstGeom>
-        </p:spPr>
-        <p:style>
-          <a:lnRef idx="2">
-            <a:schemeClr val="accent1">
-              <a:shade val="50000"/>
-            </a:schemeClr>
-          </a:lnRef>
-          <a:fillRef idx="1">
-            <a:schemeClr val="accent1"/>
-          </a:fillRef>
-          <a:effectRef idx="0">
-            <a:schemeClr val="accent1"/>
-          </a:effectRef>
-          <a:fontRef idx="minor">
-            <a:schemeClr val="lt1"/>
-          </a:fontRef>
-        </p:style>
-        <p:txBody>
-          <a:bodyPr rtlCol="0" anchor="ctr"/>
-          <a:lstStyle/>
-          <a:p>
-            <a:pPr algn="ctr"/>
-            <a:r>
-              <a:rPr lang="en-US" dirty="0" smtClean="0"/>
-              <a:t>Text Features</a:t>
-            </a:r>
-            <a:endParaRPr lang="en-US" dirty="0"/>
-          </a:p>
-        </p:txBody>
-      </p:sp>
-      <p:sp>
-        <p:nvSpPr>
-          <p:cNvPr id="6" name="Rectangle 5"/>
-          <p:cNvSpPr/>
-          <p:nvPr/>
-        </p:nvSpPr>
-        <p:spPr>
-          <a:xfrm>
-            <a:off x="914400" y="3505200"/>
-            <a:ext cx="1828800" cy="381000"/>
-          </a:xfrm>
-          <a:prstGeom prst="rect">
-            <a:avLst/>
-          </a:prstGeom>
-        </p:spPr>
-        <p:style>
-          <a:lnRef idx="2">
-            <a:schemeClr val="accent1">
-              <a:shade val="50000"/>
-            </a:schemeClr>
-          </a:lnRef>
-          <a:fillRef idx="1">
-            <a:schemeClr val="accent1"/>
-          </a:fillRef>
-          <a:effectRef idx="0">
-            <a:schemeClr val="accent1"/>
-          </a:effectRef>
-          <a:fontRef idx="minor">
-            <a:schemeClr val="lt1"/>
-          </a:fontRef>
-        </p:style>
-        <p:txBody>
-          <a:bodyPr rtlCol="0" anchor="ctr"/>
-          <a:lstStyle/>
-          <a:p>
-            <a:pPr algn="ctr"/>
-            <a:r>
-              <a:rPr lang="en-US" dirty="0" smtClean="0"/>
-              <a:t>Count </a:t>
+            <a:r>
+              <a:rPr lang="en-US" dirty="0" smtClean="0"/>
+              <a:t>Logistic Regression performs decently with an accuracy of 90%. But since dataset is imbalanced we need to focus on Precision and Recall.</a:t>
+            </a:r>
+          </a:p>
+          <a:p>
+            <a:r>
+              <a:rPr lang="en-US" dirty="0" smtClean="0"/>
+              <a:t>To improve latter metrics, I use a balanced </a:t>
             </a:r>
             <a:r>
               <a:rPr lang="en-US" dirty="0" err="1" smtClean="0"/>
-              <a:t>Vectorizer</a:t>
-            </a:r>
-            <a:endParaRPr lang="en-US" dirty="0"/>
-          </a:p>
-        </p:txBody>
-      </p:sp>
-      <p:sp>
-        <p:nvSpPr>
-          <p:cNvPr id="7" name="Rectangle 6"/>
-          <p:cNvSpPr/>
-          <p:nvPr/>
-        </p:nvSpPr>
-        <p:spPr>
-          <a:xfrm>
-            <a:off x="990600" y="4419600"/>
-            <a:ext cx="1676400" cy="609600"/>
-          </a:xfrm>
-          <a:prstGeom prst="rect">
-            <a:avLst/>
-          </a:prstGeom>
-        </p:spPr>
-        <p:style>
-          <a:lnRef idx="2">
-            <a:schemeClr val="accent1">
-              <a:shade val="50000"/>
-            </a:schemeClr>
-          </a:lnRef>
-          <a:fillRef idx="1">
-            <a:schemeClr val="accent1"/>
-          </a:fillRef>
-          <a:effectRef idx="0">
-            <a:schemeClr val="accent1"/>
-          </a:effectRef>
-          <a:fontRef idx="minor">
-            <a:schemeClr val="lt1"/>
-          </a:fontRef>
-        </p:style>
-        <p:txBody>
-          <a:bodyPr rtlCol="0" anchor="ctr"/>
-          <a:lstStyle/>
-          <a:p>
-            <a:pPr algn="ctr"/>
-            <a:r>
-              <a:rPr lang="en-US" dirty="0" smtClean="0"/>
-              <a:t>Model 1</a:t>
-            </a:r>
-            <a:endParaRPr lang="en-US" dirty="0"/>
-          </a:p>
-        </p:txBody>
-      </p:sp>
-      <p:sp>
-        <p:nvSpPr>
-          <p:cNvPr id="14" name="Down Arrow 13"/>
-          <p:cNvSpPr/>
-          <p:nvPr/>
-        </p:nvSpPr>
-        <p:spPr>
-          <a:xfrm flipH="1">
-            <a:off x="1752600" y="2971800"/>
-            <a:ext cx="121918" cy="533400"/>
-          </a:xfrm>
-          <a:prstGeom prst="downArrow">
-            <a:avLst/>
-          </a:prstGeom>
-          <a:solidFill>
-            <a:srgbClr val="FF0000"/>
-          </a:solidFill>
-        </p:spPr>
-        <p:style>
-          <a:lnRef idx="2">
-            <a:schemeClr val="accent1">
-              <a:shade val="50000"/>
-            </a:schemeClr>
-          </a:lnRef>
-          <a:fillRef idx="1">
-            <a:schemeClr val="accent1"/>
-          </a:fillRef>
-          <a:effectRef idx="0">
-            <a:schemeClr val="accent1"/>
-          </a:effectRef>
-          <a:fontRef idx="minor">
-            <a:schemeClr val="lt1"/>
-          </a:fontRef>
-        </p:style>
-        <p:txBody>
-          <a:bodyPr rtlCol="0" anchor="ctr"/>
-          <a:lstStyle/>
-          <a:p>
-            <a:pPr algn="ctr"/>
-            <a:endParaRPr lang="en-US" dirty="0">
-              <a:solidFill>
-                <a:srgbClr val="FF0000"/>
-              </a:solidFill>
-            </a:endParaRPr>
-          </a:p>
-        </p:txBody>
-      </p:sp>
-      <p:sp>
-        <p:nvSpPr>
-          <p:cNvPr id="16" name="Down Arrow 15"/>
-          <p:cNvSpPr/>
-          <p:nvPr/>
-        </p:nvSpPr>
-        <p:spPr>
-          <a:xfrm>
-            <a:off x="1752600" y="3886200"/>
-            <a:ext cx="152400" cy="533400"/>
-          </a:xfrm>
-          <a:prstGeom prst="downArrow">
-            <a:avLst/>
-          </a:prstGeom>
-          <a:solidFill>
-            <a:srgbClr val="FF0000"/>
-          </a:solidFill>
-        </p:spPr>
-        <p:style>
-          <a:lnRef idx="2">
-            <a:schemeClr val="accent1">
-              <a:shade val="50000"/>
-            </a:schemeClr>
-          </a:lnRef>
-          <a:fillRef idx="1">
-            <a:schemeClr val="accent1"/>
-          </a:fillRef>
-          <a:effectRef idx="0">
-            <a:schemeClr val="accent1"/>
-          </a:effectRef>
-          <a:fontRef idx="minor">
-            <a:schemeClr val="lt1"/>
-          </a:fontRef>
-        </p:style>
-        <p:txBody>
-          <a:bodyPr rtlCol="0" anchor="ctr"/>
-          <a:lstStyle/>
-          <a:p>
-            <a:pPr algn="ctr"/>
-            <a:endParaRPr lang="en-US"/>
-          </a:p>
-        </p:txBody>
-      </p:sp>
-      <p:sp>
-        <p:nvSpPr>
-          <p:cNvPr id="17" name="Rectangle 16"/>
-          <p:cNvSpPr/>
-          <p:nvPr/>
-        </p:nvSpPr>
-        <p:spPr>
-          <a:xfrm>
-            <a:off x="3200400" y="2209800"/>
-            <a:ext cx="1905000" cy="990600"/>
-          </a:xfrm>
-          <a:prstGeom prst="rect">
-            <a:avLst/>
-          </a:prstGeom>
-        </p:spPr>
-        <p:style>
-          <a:lnRef idx="2">
-            <a:schemeClr val="accent1">
-              <a:shade val="50000"/>
-            </a:schemeClr>
-          </a:lnRef>
-          <a:fillRef idx="1">
-            <a:schemeClr val="accent1"/>
-          </a:fillRef>
-          <a:effectRef idx="0">
-            <a:schemeClr val="accent1"/>
-          </a:effectRef>
-          <a:fontRef idx="minor">
-            <a:schemeClr val="lt1"/>
-          </a:fontRef>
-        </p:style>
-        <p:txBody>
-          <a:bodyPr rtlCol="0" anchor="ctr"/>
-          <a:lstStyle/>
-          <a:p>
-            <a:pPr algn="ctr"/>
-            <a:r>
-              <a:rPr lang="en-US" dirty="0" smtClean="0"/>
-              <a:t>Categorical /</a:t>
-            </a:r>
-          </a:p>
-          <a:p>
-            <a:pPr algn="ctr"/>
-            <a:r>
-              <a:rPr lang="en-US" dirty="0" smtClean="0"/>
-              <a:t>Numerical Features</a:t>
-            </a:r>
-            <a:endParaRPr lang="en-US" dirty="0"/>
-          </a:p>
-        </p:txBody>
-      </p:sp>
-      <p:sp>
-        <p:nvSpPr>
-          <p:cNvPr id="19" name="Rectangle 18"/>
-          <p:cNvSpPr/>
-          <p:nvPr/>
-        </p:nvSpPr>
-        <p:spPr>
-          <a:xfrm>
-            <a:off x="5791200" y="2209800"/>
-            <a:ext cx="533400" cy="3124200"/>
-          </a:xfrm>
-          <a:prstGeom prst="rect">
-            <a:avLst/>
-          </a:prstGeom>
-        </p:spPr>
-        <p:style>
-          <a:lnRef idx="2">
-            <a:schemeClr val="accent1">
-              <a:shade val="50000"/>
-            </a:schemeClr>
-          </a:lnRef>
-          <a:fillRef idx="1">
-            <a:schemeClr val="accent1"/>
-          </a:fillRef>
-          <a:effectRef idx="0">
-            <a:schemeClr val="accent1"/>
-          </a:effectRef>
-          <a:fontRef idx="minor">
-            <a:schemeClr val="lt1"/>
-          </a:fontRef>
-        </p:style>
-        <p:txBody>
-          <a:bodyPr rtlCol="0" anchor="ctr"/>
-          <a:lstStyle/>
-          <a:p>
-            <a:pPr algn="ctr"/>
-            <a:r>
-              <a:rPr lang="en-US" dirty="0" smtClean="0"/>
-              <a:t>M</a:t>
-            </a:r>
-          </a:p>
-          <a:p>
-            <a:pPr algn="ctr"/>
-            <a:r>
-              <a:rPr lang="en-US" dirty="0" smtClean="0"/>
-              <a:t>O</a:t>
-            </a:r>
-          </a:p>
-          <a:p>
-            <a:pPr algn="ctr"/>
-            <a:r>
-              <a:rPr lang="en-US" dirty="0" smtClean="0"/>
-              <a:t>D</a:t>
-            </a:r>
-          </a:p>
-          <a:p>
-            <a:pPr algn="ctr"/>
-            <a:r>
-              <a:rPr lang="en-US" dirty="0" smtClean="0"/>
-              <a:t>E</a:t>
-            </a:r>
-          </a:p>
-          <a:p>
-            <a:pPr algn="ctr"/>
-            <a:r>
-              <a:rPr lang="en-US" dirty="0" smtClean="0"/>
-              <a:t>L</a:t>
-            </a:r>
-          </a:p>
-          <a:p>
-            <a:pPr algn="ctr"/>
+              <a:t>Xgboost</a:t>
+            </a:r>
+            <a:r>
+              <a:rPr lang="en-US" dirty="0" smtClean="0"/>
+              <a:t>(give more </a:t>
+            </a:r>
+            <a:r>
+              <a:rPr lang="en-US" dirty="0" err="1" smtClean="0"/>
+              <a:t>weightage</a:t>
+            </a:r>
+            <a:r>
+              <a:rPr lang="en-US" dirty="0" smtClean="0"/>
+              <a:t> to data points of less frequent classes)</a:t>
+            </a:r>
+          </a:p>
+          <a:p>
+            <a:r>
+              <a:rPr lang="en-US" dirty="0" smtClean="0"/>
+              <a:t>Currently, I get a precision and recall of 0.94</a:t>
+            </a:r>
             <a:endParaRPr lang="en-US" dirty="0" smtClean="0"/>
-          </a:p>
-          <a:p>
-            <a:pPr algn="ctr"/>
-            <a:r>
-              <a:rPr lang="en-US" dirty="0" smtClean="0"/>
-              <a:t>2</a:t>
-            </a:r>
-            <a:endParaRPr lang="en-US" dirty="0"/>
-          </a:p>
-        </p:txBody>
-      </p:sp>
-      <p:sp>
-        <p:nvSpPr>
-          <p:cNvPr id="21" name="Right Arrow 20"/>
-          <p:cNvSpPr/>
-          <p:nvPr/>
-        </p:nvSpPr>
-        <p:spPr>
-          <a:xfrm>
-            <a:off x="5181600" y="2514600"/>
-            <a:ext cx="609600" cy="152400"/>
-          </a:xfrm>
-          <a:prstGeom prst="rightArrow">
-            <a:avLst/>
-          </a:prstGeom>
-          <a:solidFill>
-            <a:srgbClr val="FF0000"/>
-          </a:solidFill>
-        </p:spPr>
-        <p:style>
-          <a:lnRef idx="2">
-            <a:schemeClr val="accent1">
-              <a:shade val="50000"/>
-            </a:schemeClr>
-          </a:lnRef>
-          <a:fillRef idx="1">
-            <a:schemeClr val="accent1"/>
-          </a:fillRef>
-          <a:effectRef idx="0">
-            <a:schemeClr val="accent1"/>
-          </a:effectRef>
-          <a:fontRef idx="minor">
-            <a:schemeClr val="lt1"/>
-          </a:fontRef>
-        </p:style>
-        <p:txBody>
-          <a:bodyPr rtlCol="0" anchor="ctr"/>
-          <a:lstStyle/>
-          <a:p>
-            <a:pPr algn="ctr"/>
-            <a:endParaRPr lang="en-US"/>
-          </a:p>
-        </p:txBody>
-      </p:sp>
-      <p:sp>
-        <p:nvSpPr>
-          <p:cNvPr id="22" name="Rectangle 21"/>
-          <p:cNvSpPr/>
-          <p:nvPr/>
-        </p:nvSpPr>
-        <p:spPr>
-          <a:xfrm>
-            <a:off x="7086600" y="2895600"/>
-            <a:ext cx="1371600" cy="1295400"/>
-          </a:xfrm>
-          <a:prstGeom prst="rect">
-            <a:avLst/>
-          </a:prstGeom>
-        </p:spPr>
-        <p:style>
-          <a:lnRef idx="2">
-            <a:schemeClr val="accent1">
-              <a:shade val="50000"/>
-            </a:schemeClr>
-          </a:lnRef>
-          <a:fillRef idx="1">
-            <a:schemeClr val="accent1"/>
-          </a:fillRef>
-          <a:effectRef idx="0">
-            <a:schemeClr val="accent1"/>
-          </a:effectRef>
-          <a:fontRef idx="minor">
-            <a:schemeClr val="lt1"/>
-          </a:fontRef>
-        </p:style>
-        <p:txBody>
-          <a:bodyPr rtlCol="0" anchor="ctr"/>
-          <a:lstStyle/>
-          <a:p>
-            <a:pPr algn="ctr"/>
-            <a:r>
-              <a:rPr lang="en-US" dirty="0" smtClean="0"/>
-              <a:t>Final</a:t>
-            </a:r>
-          </a:p>
-          <a:p>
-            <a:pPr algn="ctr"/>
-            <a:r>
-              <a:rPr lang="en-US" dirty="0" smtClean="0"/>
-              <a:t>Prediction</a:t>
-            </a:r>
-            <a:endParaRPr lang="en-US" dirty="0"/>
-          </a:p>
-        </p:txBody>
-      </p:sp>
-      <p:sp>
-        <p:nvSpPr>
-          <p:cNvPr id="23" name="Right Arrow 22"/>
-          <p:cNvSpPr/>
-          <p:nvPr/>
-        </p:nvSpPr>
-        <p:spPr>
-          <a:xfrm>
-            <a:off x="6400800" y="3429000"/>
-            <a:ext cx="609600" cy="152400"/>
-          </a:xfrm>
-          <a:prstGeom prst="rightArrow">
-            <a:avLst/>
-          </a:prstGeom>
-          <a:solidFill>
-            <a:srgbClr val="FF0000"/>
-          </a:solidFill>
-        </p:spPr>
-        <p:style>
-          <a:lnRef idx="2">
-            <a:schemeClr val="accent1">
-              <a:shade val="50000"/>
-            </a:schemeClr>
-          </a:lnRef>
-          <a:fillRef idx="1">
-            <a:schemeClr val="accent1"/>
-          </a:fillRef>
-          <a:effectRef idx="0">
-            <a:schemeClr val="accent1"/>
-          </a:effectRef>
-          <a:fontRef idx="minor">
-            <a:schemeClr val="lt1"/>
-          </a:fontRef>
-        </p:style>
-        <p:txBody>
-          <a:bodyPr rtlCol="0" anchor="ctr"/>
-          <a:lstStyle/>
-          <a:p>
-            <a:pPr algn="ctr"/>
-            <a:endParaRPr lang="en-US"/>
-          </a:p>
-        </p:txBody>
-      </p:sp>
-      <p:sp>
-        <p:nvSpPr>
-          <p:cNvPr id="24" name="Rectangle 23"/>
-          <p:cNvSpPr/>
-          <p:nvPr/>
-        </p:nvSpPr>
-        <p:spPr>
-          <a:xfrm>
-            <a:off x="3429000" y="4419600"/>
-            <a:ext cx="1524000" cy="533400"/>
-          </a:xfrm>
-          <a:prstGeom prst="rect">
-            <a:avLst/>
-          </a:prstGeom>
-        </p:spPr>
-        <p:style>
-          <a:lnRef idx="2">
-            <a:schemeClr val="accent1">
-              <a:shade val="50000"/>
-            </a:schemeClr>
-          </a:lnRef>
-          <a:fillRef idx="1">
-            <a:schemeClr val="accent1"/>
-          </a:fillRef>
-          <a:effectRef idx="0">
-            <a:schemeClr val="accent1"/>
-          </a:effectRef>
-          <a:fontRef idx="minor">
-            <a:schemeClr val="lt1"/>
-          </a:fontRef>
-        </p:style>
-        <p:txBody>
-          <a:bodyPr rtlCol="0" anchor="ctr"/>
-          <a:lstStyle/>
-          <a:p>
-            <a:pPr algn="ctr"/>
-            <a:r>
-              <a:rPr lang="en-US" dirty="0" smtClean="0"/>
-              <a:t>One hot encoding</a:t>
-            </a:r>
-            <a:endParaRPr lang="en-US" dirty="0"/>
-          </a:p>
-        </p:txBody>
-      </p:sp>
-      <p:sp>
-        <p:nvSpPr>
-          <p:cNvPr id="25" name="Right Arrow 24"/>
-          <p:cNvSpPr/>
-          <p:nvPr/>
-        </p:nvSpPr>
-        <p:spPr>
-          <a:xfrm>
-            <a:off x="2743200" y="4648200"/>
-            <a:ext cx="609600" cy="152400"/>
-          </a:xfrm>
-          <a:prstGeom prst="rightArrow">
-            <a:avLst/>
-          </a:prstGeom>
-          <a:solidFill>
-            <a:srgbClr val="FF0000"/>
-          </a:solidFill>
-        </p:spPr>
-        <p:style>
-          <a:lnRef idx="2">
-            <a:schemeClr val="accent1">
-              <a:shade val="50000"/>
-            </a:schemeClr>
-          </a:lnRef>
-          <a:fillRef idx="1">
-            <a:schemeClr val="accent1"/>
-          </a:fillRef>
-          <a:effectRef idx="0">
-            <a:schemeClr val="accent1"/>
-          </a:effectRef>
-          <a:fontRef idx="minor">
-            <a:schemeClr val="lt1"/>
-          </a:fontRef>
-        </p:style>
-        <p:txBody>
-          <a:bodyPr rtlCol="0" anchor="ctr"/>
-          <a:lstStyle/>
-          <a:p>
-            <a:pPr algn="ctr"/>
-            <a:endParaRPr lang="en-US"/>
-          </a:p>
-        </p:txBody>
-      </p:sp>
-      <p:sp>
-        <p:nvSpPr>
-          <p:cNvPr id="26" name="Right Arrow 25"/>
-          <p:cNvSpPr/>
-          <p:nvPr/>
-        </p:nvSpPr>
-        <p:spPr>
-          <a:xfrm>
-            <a:off x="5029200" y="4572000"/>
-            <a:ext cx="685800" cy="152400"/>
-          </a:xfrm>
-          <a:prstGeom prst="rightArrow">
-            <a:avLst/>
-          </a:prstGeom>
-          <a:solidFill>
-            <a:srgbClr val="FF0000"/>
-          </a:solidFill>
-        </p:spPr>
-        <p:style>
-          <a:lnRef idx="2">
-            <a:schemeClr val="accent1">
-              <a:shade val="50000"/>
-            </a:schemeClr>
-          </a:lnRef>
-          <a:fillRef idx="1">
-            <a:schemeClr val="accent1"/>
-          </a:fillRef>
-          <a:effectRef idx="0">
-            <a:schemeClr val="accent1"/>
-          </a:effectRef>
-          <a:fontRef idx="minor">
-            <a:schemeClr val="lt1"/>
-          </a:fontRef>
-        </p:style>
-        <p:txBody>
-          <a:bodyPr rtlCol="0" anchor="ctr"/>
-          <a:lstStyle/>
-          <a:p>
-            <a:pPr algn="ctr"/>
-            <a:endParaRPr lang="en-US"/>
           </a:p>
         </p:txBody>
       </p:sp>
@@ -4051,69 +4065,35 @@
           <a:p>
             <a:r>
               <a:rPr lang="en-US" dirty="0" smtClean="0"/>
-              <a:t>Model Selection</a:t>
+              <a:t>Evaluation Metrics</a:t>
             </a:r>
             <a:endParaRPr lang="en-US" dirty="0"/>
           </a:p>
         </p:txBody>
       </p:sp>
-      <p:sp>
-        <p:nvSpPr>
-          <p:cNvPr id="3" name="Content Placeholder 2"/>
-          <p:cNvSpPr>
-            <a:spLocks noGrp="1"/>
-          </p:cNvSpPr>
+      <p:pic>
+        <p:nvPicPr>
+          <p:cNvPr id="6" name="Content Placeholder 5" descr="metrics.PNG"/>
+          <p:cNvPicPr>
+            <a:picLocks noGrp="1" noChangeAspect="1"/>
+          </p:cNvPicPr>
           <p:nvPr>
             <p:ph idx="1"/>
           </p:nvPr>
-        </p:nvSpPr>
-        <p:spPr/>
-        <p:txBody>
-          <a:bodyPr/>
-          <a:lstStyle/>
-          <a:p>
-            <a:r>
-              <a:rPr lang="en-US" dirty="0" smtClean="0"/>
-              <a:t>For Model1, I tried Random Forest and </a:t>
-            </a:r>
-            <a:r>
-              <a:rPr lang="en-US" dirty="0" err="1" smtClean="0"/>
-              <a:t>Xgboost</a:t>
-            </a:r>
-            <a:r>
-              <a:rPr lang="en-US" dirty="0" smtClean="0"/>
-              <a:t>. Both models perform equally well  </a:t>
-            </a:r>
-          </a:p>
-          <a:p>
-            <a:r>
-              <a:rPr lang="en-US" dirty="0" smtClean="0"/>
-              <a:t>I choose </a:t>
-            </a:r>
-            <a:r>
-              <a:rPr lang="en-US" dirty="0" err="1" smtClean="0"/>
-              <a:t>xgboost</a:t>
-            </a:r>
-            <a:r>
-              <a:rPr lang="en-US" dirty="0" smtClean="0"/>
-              <a:t> since it generally performs well due to its adaptive mechanism.</a:t>
-            </a:r>
-          </a:p>
-          <a:p>
-            <a:r>
-              <a:rPr lang="en-US" dirty="0" smtClean="0"/>
-              <a:t>Model 1 output is one hot encoded and fed to Model2 along with other features.</a:t>
-            </a:r>
-          </a:p>
-          <a:p>
-            <a:r>
-              <a:rPr lang="en-US" dirty="0" smtClean="0"/>
-              <a:t>For Model 2,  I choose Random Forest.</a:t>
-            </a:r>
-            <a:endParaRPr lang="en-US" dirty="0"/>
-          </a:p>
-        </p:txBody>
-      </p:sp>
+        </p:nvPicPr>
+        <p:blipFill>
+          <a:blip r:embed="rId2" cstate="print"/>
+          <a:stretch>
+            <a:fillRect/>
+          </a:stretch>
+        </p:blipFill>
+        <p:spPr>
+          <a:xfrm>
+            <a:off x="-19253" y="2133600"/>
+            <a:ext cx="8900157" cy="3352799"/>
+          </a:xfrm>
+        </p:spPr>
+      </p:pic>
     </p:spTree>
   </p:cSld>
   <p:clrMapOvr>
@@ -4156,194 +4136,33 @@
             <p:ph type="title"/>
           </p:nvPr>
         </p:nvSpPr>
-        <p:spPr>
-          <a:xfrm>
-            <a:off x="457200" y="274638"/>
-            <a:ext cx="8229600" cy="1096962"/>
-          </a:xfrm>
-        </p:spPr>
-        <p:txBody>
-          <a:bodyPr/>
-          <a:lstStyle/>
-          <a:p>
-            <a:r>
-              <a:rPr lang="en-US" dirty="0" smtClean="0"/>
-              <a:t>Feature Importance</a:t>
+        <p:spPr/>
+        <p:txBody>
+          <a:bodyPr/>
+          <a:lstStyle/>
+          <a:p>
+            <a:r>
+              <a:rPr lang="en-US" dirty="0" smtClean="0"/>
+              <a:t>Proposed Improvements </a:t>
             </a:r>
             <a:endParaRPr lang="en-US" dirty="0"/>
           </a:p>
         </p:txBody>
       </p:sp>
-      <p:pic>
-        <p:nvPicPr>
-          <p:cNvPr id="8" name="Content Placeholder 7" descr="feature_imp.png"/>
-          <p:cNvPicPr>
-            <a:picLocks noGrp="1" noChangeAspect="1"/>
-          </p:cNvPicPr>
+      <p:sp>
+        <p:nvSpPr>
+          <p:cNvPr id="3" name="Content Placeholder 2"/>
+          <p:cNvSpPr>
+            <a:spLocks noGrp="1"/>
+          </p:cNvSpPr>
           <p:nvPr>
             <p:ph idx="1"/>
           </p:nvPr>
-        </p:nvPicPr>
-        <p:blipFill>
-          <a:blip r:embed="rId2" cstate="print"/>
-          <a:stretch>
-            <a:fillRect/>
-          </a:stretch>
-        </p:blipFill>
-        <p:spPr>
-          <a:xfrm>
-            <a:off x="304800" y="1295400"/>
-            <a:ext cx="8839200" cy="5181599"/>
-          </a:xfrm>
-        </p:spPr>
-      </p:pic>
-    </p:spTree>
-  </p:cSld>
-  <p:clrMapOvr>
-    <a:masterClrMapping/>
-  </p:clrMapOvr>
-  <p:timing>
-    <p:tnLst>
-      <p:par>
-        <p:cTn id="1" dur="indefinite" restart="never" nodeType="tmRoot"/>
-      </p:par>
-    </p:tnLst>
-  </p:timing>
-</p:sld>
-</file>
-
-<file path=ppt/slides/slide15.xml><?xml version="1.0" encoding="utf-8"?>
-<p:sld xmlns:a="http://schemas.openxmlformats.org/drawingml/2006/main" xmlns:r="http://schemas.openxmlformats.org/officeDocument/2006/relationships" xmlns:p="http://schemas.openxmlformats.org/presentationml/2006/main">
-  <p:cSld>
-    <p:spTree>
-      <p:nvGrpSpPr>
-        <p:cNvPr id="1" name=""/>
-        <p:cNvGrpSpPr/>
-        <p:nvPr/>
-      </p:nvGrpSpPr>
-      <p:grpSpPr>
-        <a:xfrm>
-          <a:off x="0" y="0"/>
-          <a:ext cx="0" cy="0"/>
-          <a:chOff x="0" y="0"/>
-          <a:chExt cx="0" cy="0"/>
-        </a:xfrm>
-      </p:grpSpPr>
-      <p:sp>
-        <p:nvSpPr>
-          <p:cNvPr id="2" name="Title 1"/>
-          <p:cNvSpPr>
-            <a:spLocks noGrp="1"/>
-          </p:cNvSpPr>
-          <p:nvPr>
-            <p:ph type="title"/>
-          </p:nvPr>
-        </p:nvSpPr>
-        <p:spPr/>
-        <p:txBody>
-          <a:bodyPr/>
-          <a:lstStyle/>
-          <a:p>
-            <a:r>
-              <a:rPr lang="en-US" dirty="0" smtClean="0"/>
-              <a:t>Evaluation Metrics</a:t>
-            </a:r>
-            <a:endParaRPr lang="en-US" dirty="0"/>
-          </a:p>
-        </p:txBody>
-      </p:sp>
-      <p:pic>
-        <p:nvPicPr>
-          <p:cNvPr id="4" name="Content Placeholder 3" descr="metrics.PNG"/>
-          <p:cNvPicPr>
-            <a:picLocks noGrp="1" noChangeAspect="1"/>
-          </p:cNvPicPr>
-          <p:nvPr>
-            <p:ph idx="1"/>
-          </p:nvPr>
-        </p:nvPicPr>
-        <p:blipFill>
-          <a:blip r:embed="rId2" cstate="print"/>
-          <a:stretch>
-            <a:fillRect/>
-          </a:stretch>
-        </p:blipFill>
-        <p:spPr>
-          <a:xfrm>
-            <a:off x="762000" y="2209800"/>
-            <a:ext cx="7583284" cy="3124200"/>
-          </a:xfrm>
-        </p:spPr>
-      </p:pic>
-    </p:spTree>
-  </p:cSld>
-  <p:clrMapOvr>
-    <a:masterClrMapping/>
-  </p:clrMapOvr>
-  <p:timing>
-    <p:tnLst>
-      <p:par>
-        <p:cTn id="1" dur="indefinite" restart="never" nodeType="tmRoot"/>
-      </p:par>
-    </p:tnLst>
-  </p:timing>
-</p:sld>
-</file>
-
-<file path=ppt/slides/slide16.xml><?xml version="1.0" encoding="utf-8"?>
-<p:sld xmlns:a="http://schemas.openxmlformats.org/drawingml/2006/main" xmlns:r="http://schemas.openxmlformats.org/officeDocument/2006/relationships" xmlns:p="http://schemas.openxmlformats.org/presentationml/2006/main">
-  <p:cSld>
-    <p:spTree>
-      <p:nvGrpSpPr>
-        <p:cNvPr id="1" name=""/>
-        <p:cNvGrpSpPr/>
-        <p:nvPr/>
-      </p:nvGrpSpPr>
-      <p:grpSpPr>
-        <a:xfrm>
-          <a:off x="0" y="0"/>
-          <a:ext cx="0" cy="0"/>
-          <a:chOff x="0" y="0"/>
-          <a:chExt cx="0" cy="0"/>
-        </a:xfrm>
-      </p:grpSpPr>
-      <p:sp>
-        <p:nvSpPr>
-          <p:cNvPr id="2" name="Title 1"/>
-          <p:cNvSpPr>
-            <a:spLocks noGrp="1"/>
-          </p:cNvSpPr>
-          <p:nvPr>
-            <p:ph type="title"/>
-          </p:nvPr>
-        </p:nvSpPr>
-        <p:spPr/>
-        <p:txBody>
-          <a:bodyPr/>
-          <a:lstStyle/>
-          <a:p>
-            <a:r>
-              <a:rPr lang="en-US" dirty="0" smtClean="0"/>
-              <a:t>Proposed Improvements </a:t>
-            </a:r>
-            <a:endParaRPr lang="en-US" dirty="0"/>
-          </a:p>
-        </p:txBody>
-      </p:sp>
-      <p:sp>
-        <p:nvSpPr>
-          <p:cNvPr id="3" name="Content Placeholder 2"/>
-          <p:cNvSpPr>
-            <a:spLocks noGrp="1"/>
-          </p:cNvSpPr>
-          <p:nvPr>
-            <p:ph idx="1"/>
-          </p:nvPr>
         </p:nvSpPr>
         <p:spPr/>
         <p:txBody>
           <a:bodyPr>
-            <a:normAutofit lnSpcReduction="10000"/>
+            <a:normAutofit/>
           </a:bodyPr>
           <a:lstStyle/>
           <a:p>
@@ -4359,10 +4178,10 @@
             </a:r>
           </a:p>
           <a:p>
-            <a:r>
-              <a:rPr lang="en-US" dirty="0" smtClean="0"/>
-              <a:t>For prediction of text vectors, Logistic Regression could have been used since it performs well on simple data.</a:t>
-            </a:r>
+            <a:pPr>
+              <a:buNone/>
+            </a:pPr>
+            <a:endParaRPr lang="en-US" dirty="0" smtClean="0"/>
           </a:p>
         </p:txBody>
       </p:sp>
@@ -4671,31 +4490,19 @@
         <p:spPr/>
         <p:txBody>
           <a:bodyPr>
-            <a:normAutofit lnSpcReduction="10000"/>
+            <a:normAutofit/>
           </a:bodyPr>
           <a:lstStyle/>
           <a:p>
             <a:r>
               <a:rPr lang="en-US" dirty="0" smtClean="0"/>
-              <a:t>Drop columns which are redundant, sparse or if they don’t help in predicting Target variable</a:t>
-            </a:r>
-          </a:p>
-          <a:p>
-            <a:pPr>
-              <a:buNone/>
-            </a:pPr>
-            <a:r>
-              <a:rPr lang="en-US" dirty="0" smtClean="0"/>
-              <a:t>    </a:t>
-            </a:r>
-            <a:r>
-              <a:rPr lang="en-US" dirty="0" err="1" smtClean="0"/>
-              <a:t>Eg</a:t>
-            </a:r>
-            <a:r>
-              <a:rPr lang="en-US" dirty="0" smtClean="0"/>
-              <a:t>:- Location (which can be found through other features), Issue Date and Final Date (Sparse), Applicant Name.</a:t>
-            </a:r>
+              <a:t>Drop columns which are redundant, sparse or if they don’t help in predicting Target </a:t>
+            </a:r>
+            <a:r>
+              <a:rPr lang="en-US" dirty="0" smtClean="0"/>
+              <a:t>variable</a:t>
+            </a:r>
+            <a:endParaRPr lang="en-US" dirty="0" smtClean="0"/>
           </a:p>
           <a:p>
             <a:pPr marL="514350" indent="-514350"/>
@@ -4779,26 +4586,10 @@
           <a:bodyPr/>
           <a:lstStyle/>
           <a:p>
-            <a:r>
-              <a:rPr lang="en-US" dirty="0" smtClean="0"/>
-              <a:t>For location data </a:t>
-            </a:r>
-            <a:r>
-              <a:rPr lang="en-US" dirty="0" err="1" smtClean="0"/>
-              <a:t>i.e</a:t>
-            </a:r>
-            <a:r>
-              <a:rPr lang="en-US" dirty="0" smtClean="0"/>
-              <a:t> latitude and longitude, we fill null values with mean. This is done </a:t>
-            </a:r>
-            <a:r>
-              <a:rPr lang="en-US" dirty="0" err="1" smtClean="0"/>
-              <a:t>seperately</a:t>
-            </a:r>
-            <a:r>
-              <a:rPr lang="en-US" dirty="0" smtClean="0"/>
-              <a:t> for Train and Test data.</a:t>
-            </a:r>
+            <a:pPr>
+              <a:buNone/>
+            </a:pPr>
+            <a:endParaRPr lang="en-US" dirty="0" smtClean="0"/>
           </a:p>
           <a:p>
             <a:r>
@@ -5095,21 +4886,22 @@
           <a:p>
             <a:r>
               <a:rPr lang="en-US" dirty="0" smtClean="0"/>
-              <a:t>We can either train 3 models for each one of the vector or can combine all 3 vectors to be trained by a single model.</a:t>
-            </a:r>
-          </a:p>
-          <a:p>
-            <a:r>
-              <a:rPr lang="en-US" dirty="0" smtClean="0"/>
-              <a:t>In general, the latter is better since it will not </a:t>
-            </a:r>
-            <a:r>
-              <a:rPr lang="en-US" dirty="0" err="1" smtClean="0"/>
-              <a:t>overfit</a:t>
-            </a:r>
-            <a:r>
-              <a:rPr lang="en-US" dirty="0" smtClean="0"/>
-              <a:t> the data.</a:t>
+              <a:t>We can either </a:t>
+            </a:r>
+            <a:r>
+              <a:rPr lang="en-US" dirty="0" smtClean="0"/>
+              <a:t>train </a:t>
+            </a:r>
+            <a:r>
+              <a:rPr lang="en-US" dirty="0" smtClean="0"/>
+              <a:t>a model only on text vectors and then use its prediction along with other numerical and categorical features. But this way there is risk of Data Leakage.</a:t>
+            </a:r>
+            <a:endParaRPr lang="en-US" dirty="0" smtClean="0"/>
+          </a:p>
+          <a:p>
+            <a:r>
+              <a:rPr lang="en-US" dirty="0" smtClean="0"/>
+              <a:t>So the best way is stack all the vectors horizontally and the train using only one model.</a:t>
             </a:r>
             <a:endParaRPr lang="en-US" dirty="0"/>
           </a:p>
